--- a/presentation/6.pptx
+++ b/presentation/6.pptx
@@ -10,10 +10,11 @@
     <p:sldId id="259" r:id="rId4"/>
     <p:sldId id="261" r:id="rId5"/>
     <p:sldId id="262" r:id="rId6"/>
-    <p:sldId id="263" r:id="rId7"/>
-    <p:sldId id="264" r:id="rId8"/>
-    <p:sldId id="265" r:id="rId9"/>
+    <p:sldId id="265" r:id="rId7"/>
+    <p:sldId id="263" r:id="rId8"/>
+    <p:sldId id="264" r:id="rId9"/>
     <p:sldId id="260" r:id="rId10"/>
+    <p:sldId id="266" r:id="rId11"/>
   </p:sldIdLst>
   <p:sldSz cx="9144000" cy="6858000" type="screen4x3"/>
   <p:notesSz cx="6858000" cy="9144000"/>
@@ -112,6 +113,22 @@
       </a:defRPr>
     </a:lvl9pPr>
   </p:defaultTextStyle>
+  <p:extLst>
+    <p:ext uri="{EFAFB233-063F-42B5-8137-9DF3F51BA10A}">
+      <p15:sldGuideLst xmlns:p15="http://schemas.microsoft.com/office/powerpoint/2012/main">
+        <p15:guide id="1" orient="horz" pos="2160">
+          <p15:clr>
+            <a:srgbClr val="A4A3A4"/>
+          </p15:clr>
+        </p15:guide>
+        <p15:guide id="2" pos="2880">
+          <p15:clr>
+            <a:srgbClr val="A4A3A4"/>
+          </p15:clr>
+        </p15:guide>
+      </p15:sldGuideLst>
+    </p:ext>
+  </p:extLst>
 </p:presentation>
 </file>
 
@@ -296,7 +313,7 @@
           <a:p>
             <a:fld id="{994A55E7-1CF2-4FB3-966D-E5224CF09912}" type="datetimeFigureOut">
               <a:rPr lang="en-US" smtClean="0"/>
-              <a:t>2/1/2017</a:t>
+              <a:t>2/2/17</a:t>
             </a:fld>
             <a:endParaRPr lang="en-US"/>
           </a:p>
@@ -466,7 +483,7 @@
           <a:p>
             <a:fld id="{994A55E7-1CF2-4FB3-966D-E5224CF09912}" type="datetimeFigureOut">
               <a:rPr lang="en-US" smtClean="0"/>
-              <a:t>2/1/2017</a:t>
+              <a:t>2/2/17</a:t>
             </a:fld>
             <a:endParaRPr lang="en-US"/>
           </a:p>
@@ -646,7 +663,7 @@
           <a:p>
             <a:fld id="{994A55E7-1CF2-4FB3-966D-E5224CF09912}" type="datetimeFigureOut">
               <a:rPr lang="en-US" smtClean="0"/>
-              <a:t>2/1/2017</a:t>
+              <a:t>2/2/17</a:t>
             </a:fld>
             <a:endParaRPr lang="en-US"/>
           </a:p>
@@ -816,7 +833,7 @@
           <a:p>
             <a:fld id="{994A55E7-1CF2-4FB3-966D-E5224CF09912}" type="datetimeFigureOut">
               <a:rPr lang="en-US" smtClean="0"/>
-              <a:t>2/1/2017</a:t>
+              <a:t>2/2/17</a:t>
             </a:fld>
             <a:endParaRPr lang="en-US"/>
           </a:p>
@@ -1062,7 +1079,7 @@
           <a:p>
             <a:fld id="{994A55E7-1CF2-4FB3-966D-E5224CF09912}" type="datetimeFigureOut">
               <a:rPr lang="en-US" smtClean="0"/>
-              <a:t>2/1/2017</a:t>
+              <a:t>2/2/17</a:t>
             </a:fld>
             <a:endParaRPr lang="en-US"/>
           </a:p>
@@ -1350,7 +1367,7 @@
           <a:p>
             <a:fld id="{994A55E7-1CF2-4FB3-966D-E5224CF09912}" type="datetimeFigureOut">
               <a:rPr lang="en-US" smtClean="0"/>
-              <a:t>2/1/2017</a:t>
+              <a:t>2/2/17</a:t>
             </a:fld>
             <a:endParaRPr lang="en-US"/>
           </a:p>
@@ -1772,7 +1789,7 @@
           <a:p>
             <a:fld id="{994A55E7-1CF2-4FB3-966D-E5224CF09912}" type="datetimeFigureOut">
               <a:rPr lang="en-US" smtClean="0"/>
-              <a:t>2/1/2017</a:t>
+              <a:t>2/2/17</a:t>
             </a:fld>
             <a:endParaRPr lang="en-US"/>
           </a:p>
@@ -1890,7 +1907,7 @@
           <a:p>
             <a:fld id="{994A55E7-1CF2-4FB3-966D-E5224CF09912}" type="datetimeFigureOut">
               <a:rPr lang="en-US" smtClean="0"/>
-              <a:t>2/1/2017</a:t>
+              <a:t>2/2/17</a:t>
             </a:fld>
             <a:endParaRPr lang="en-US"/>
           </a:p>
@@ -1985,7 +2002,7 @@
           <a:p>
             <a:fld id="{994A55E7-1CF2-4FB3-966D-E5224CF09912}" type="datetimeFigureOut">
               <a:rPr lang="en-US" smtClean="0"/>
-              <a:t>2/1/2017</a:t>
+              <a:t>2/2/17</a:t>
             </a:fld>
             <a:endParaRPr lang="en-US"/>
           </a:p>
@@ -2262,7 +2279,7 @@
           <a:p>
             <a:fld id="{994A55E7-1CF2-4FB3-966D-E5224CF09912}" type="datetimeFigureOut">
               <a:rPr lang="en-US" smtClean="0"/>
-              <a:t>2/1/2017</a:t>
+              <a:t>2/2/17</a:t>
             </a:fld>
             <a:endParaRPr lang="en-US"/>
           </a:p>
@@ -2515,7 +2532,7 @@
           <a:p>
             <a:fld id="{994A55E7-1CF2-4FB3-966D-E5224CF09912}" type="datetimeFigureOut">
               <a:rPr lang="en-US" smtClean="0"/>
-              <a:t>2/1/2017</a:t>
+              <a:t>2/2/17</a:t>
             </a:fld>
             <a:endParaRPr lang="en-US"/>
           </a:p>
@@ -2728,7 +2745,7 @@
           <a:p>
             <a:fld id="{994A55E7-1CF2-4FB3-966D-E5224CF09912}" type="datetimeFigureOut">
               <a:rPr lang="en-US" smtClean="0"/>
-              <a:t>2/1/2017</a:t>
+              <a:t>2/2/17</a:t>
             </a:fld>
             <a:endParaRPr lang="en-US"/>
           </a:p>
@@ -3115,14 +3132,27 @@
         </p:nvSpPr>
         <p:spPr/>
         <p:txBody>
-          <a:bodyPr/>
+          <a:bodyPr>
+            <a:normAutofit/>
+          </a:bodyPr>
           <a:lstStyle/>
           <a:p>
             <a:r>
               <a:rPr lang="en-US" dirty="0" smtClean="0"/>
-              <a:t>6.S097 Project</a:t>
-            </a:r>
-            <a:endParaRPr lang="en-US" dirty="0"/>
+              <a:t>6.S097 </a:t>
+            </a:r>
+            <a:r>
+              <a:rPr lang="en-US" dirty="0" smtClean="0"/>
+              <a:t>Project</a:t>
+            </a:r>
+            <a:br>
+              <a:rPr lang="en-US" dirty="0" smtClean="0"/>
+            </a:br>
+            <a:r>
+              <a:rPr lang="en-US" sz="2500" i="1" dirty="0" smtClean="0"/>
+              <a:t>Understanding Crime &amp; Traffic for Safer Urban Planning</a:t>
+            </a:r>
+            <a:endParaRPr lang="en-US" sz="2500" i="1" dirty="0"/>
           </a:p>
         </p:txBody>
       </p:sp>
@@ -3144,12 +3174,6 @@
           <a:lstStyle/>
           <a:p>
             <a:r>
-              <a:rPr lang="en-US" dirty="0" smtClean="0"/>
-              <a:t>Kevin Lyons</a:t>
-            </a:r>
-          </a:p>
-          <a:p>
-            <a:r>
               <a:rPr lang="en-US" dirty="0" err="1" smtClean="0"/>
               <a:t>Subby</a:t>
             </a:r>
@@ -3181,8 +3205,20 @@
           <a:p>
             <a:r>
               <a:rPr lang="en-US" dirty="0" smtClean="0"/>
-              <a:t>Mark Wang</a:t>
-            </a:r>
+              <a:t>Mark </a:t>
+            </a:r>
+            <a:r>
+              <a:rPr lang="en-US" dirty="0" smtClean="0"/>
+              <a:t>Wang</a:t>
+            </a:r>
+          </a:p>
+          <a:p>
+            <a:r>
+              <a:rPr lang="en-US" dirty="0"/>
+              <a:t>Kevin Lyons</a:t>
+            </a:r>
+          </a:p>
+          <a:p>
             <a:endParaRPr lang="en-US" dirty="0"/>
           </a:p>
         </p:txBody>
@@ -3191,6 +3227,86 @@
     <p:extLst>
       <p:ext uri="{BB962C8B-B14F-4D97-AF65-F5344CB8AC3E}">
         <p14:creationId xmlns:p14="http://schemas.microsoft.com/office/powerpoint/2010/main" val="856881410"/>
+      </p:ext>
+    </p:extLst>
+  </p:cSld>
+  <p:clrMapOvr>
+    <a:masterClrMapping/>
+  </p:clrMapOvr>
+</p:sld>
+</file>
+
+<file path=ppt/slides/slide10.xml><?xml version="1.0" encoding="utf-8"?>
+<p:sld xmlns:a="http://schemas.openxmlformats.org/drawingml/2006/main" xmlns:r="http://schemas.openxmlformats.org/officeDocument/2006/relationships" xmlns:p="http://schemas.openxmlformats.org/presentationml/2006/main">
+  <p:cSld>
+    <p:spTree>
+      <p:nvGrpSpPr>
+        <p:cNvPr id="1" name=""/>
+        <p:cNvGrpSpPr/>
+        <p:nvPr/>
+      </p:nvGrpSpPr>
+      <p:grpSpPr>
+        <a:xfrm>
+          <a:off x="0" y="0"/>
+          <a:ext cx="0" cy="0"/>
+          <a:chOff x="0" y="0"/>
+          <a:chExt cx="0" cy="0"/>
+        </a:xfrm>
+      </p:grpSpPr>
+      <p:sp>
+        <p:nvSpPr>
+          <p:cNvPr id="2" name="Title 1"/>
+          <p:cNvSpPr>
+            <a:spLocks noGrp="1"/>
+          </p:cNvSpPr>
+          <p:nvPr>
+            <p:ph type="title"/>
+          </p:nvPr>
+        </p:nvSpPr>
+        <p:spPr/>
+        <p:txBody>
+          <a:bodyPr/>
+          <a:lstStyle/>
+          <a:p>
+            <a:r>
+              <a:rPr lang="en-US" dirty="0" smtClean="0"/>
+              <a:t>Conclusions</a:t>
+            </a:r>
+            <a:endParaRPr lang="en-US" dirty="0"/>
+          </a:p>
+        </p:txBody>
+      </p:sp>
+      <p:sp>
+        <p:nvSpPr>
+          <p:cNvPr id="3" name="Content Placeholder 2"/>
+          <p:cNvSpPr>
+            <a:spLocks noGrp="1"/>
+          </p:cNvSpPr>
+          <p:nvPr>
+            <p:ph idx="1"/>
+          </p:nvPr>
+        </p:nvSpPr>
+        <p:spPr/>
+        <p:txBody>
+          <a:bodyPr/>
+          <a:lstStyle/>
+          <a:p>
+            <a:r>
+              <a:rPr lang="en-US" dirty="0" smtClean="0"/>
+              <a:t>To be continued</a:t>
+            </a:r>
+            <a:r>
+              <a:rPr lang="mr-IN" dirty="0" smtClean="0"/>
+              <a:t>…</a:t>
+            </a:r>
+            <a:endParaRPr lang="en-US" dirty="0"/>
+          </a:p>
+        </p:txBody>
+      </p:sp>
+    </p:spTree>
+    <p:extLst>
+      <p:ext uri="{BB962C8B-B14F-4D97-AF65-F5344CB8AC3E}">
+        <p14:creationId xmlns:p14="http://schemas.microsoft.com/office/powerpoint/2010/main" val="2105131742"/>
       </p:ext>
     </p:extLst>
   </p:cSld>
@@ -3263,8 +3379,21 @@
           <a:p>
             <a:r>
               <a:rPr lang="en-US" dirty="0" smtClean="0"/>
-              <a:t>By finding areas where crime is prevalent, will be able to identify places which needs more security</a:t>
-            </a:r>
+              <a:t>By finding areas where crime is prevalent, will be able to identify places which </a:t>
+            </a:r>
+            <a:r>
+              <a:rPr lang="en-US" dirty="0" smtClean="0"/>
+              <a:t>need </a:t>
+            </a:r>
+            <a:r>
+              <a:rPr lang="en-US" dirty="0" smtClean="0"/>
+              <a:t>more </a:t>
+            </a:r>
+            <a:r>
+              <a:rPr lang="en-US" dirty="0" smtClean="0"/>
+              <a:t>security/enforcement/etc.</a:t>
+            </a:r>
+            <a:endParaRPr lang="en-US" dirty="0" smtClean="0"/>
           </a:p>
           <a:p>
             <a:endParaRPr lang="en-US" dirty="0" smtClean="0"/>
@@ -3347,27 +3476,36 @@
           <a:p>
             <a:r>
               <a:rPr lang="en-US" dirty="0" smtClean="0"/>
-              <a:t>Divide the data into categories: damage, disrupt, med, other, and violent</a:t>
-            </a:r>
-          </a:p>
-          <a:p>
+              <a:t>Divided crime data </a:t>
+            </a:r>
             <a:r>
               <a:rPr lang="en-US" dirty="0" smtClean="0"/>
-              <a:t>A </a:t>
-            </a:r>
-            <a:r>
-              <a:rPr lang="en-US" dirty="0" err="1" smtClean="0"/>
-              <a:t>hierarchichal</a:t>
+              <a:t>into </a:t>
             </a:r>
             <a:r>
               <a:rPr lang="en-US" dirty="0" smtClean="0"/>
-              <a:t> clustering method to find clusters within the categories</a:t>
-            </a:r>
+              <a:t>several categories, then ran K-Means clustering with various K</a:t>
+            </a:r>
+            <a:endParaRPr lang="en-US" dirty="0" smtClean="0"/>
           </a:p>
           <a:p>
             <a:r>
               <a:rPr lang="en-US" dirty="0" smtClean="0"/>
-              <a:t>Shave the clusters to find areas where crime is prevalent</a:t>
+              <a:t>Shaved </a:t>
+            </a:r>
+            <a:r>
+              <a:rPr lang="en-US" dirty="0" smtClean="0"/>
+              <a:t>the clusters to find areas where crime is </a:t>
+            </a:r>
+            <a:r>
+              <a:rPr lang="en-US" dirty="0" smtClean="0"/>
+              <a:t>prevalent</a:t>
+            </a:r>
+          </a:p>
+          <a:p>
+            <a:r>
+              <a:rPr lang="en-US" dirty="0" smtClean="0"/>
+              <a:t>Combined with public Boston traffic data to find patterns and inform rider safety</a:t>
             </a:r>
             <a:endParaRPr lang="en-US" dirty="0"/>
           </a:p>
@@ -3450,8 +3588,8 @@
         </p:blipFill>
         <p:spPr>
           <a:xfrm>
-            <a:off x="1554691" y="1600200"/>
-            <a:ext cx="6034617" cy="4525963"/>
+            <a:off x="1295400" y="1405732"/>
+            <a:ext cx="6293908" cy="4720431"/>
           </a:xfrm>
         </p:spPr>
       </p:pic>
@@ -3502,7 +3640,7 @@
           <a:p>
             <a:r>
               <a:rPr lang="en-US" dirty="0" smtClean="0"/>
-              <a:t>Disrupt</a:t>
+              <a:t>Disruptive</a:t>
             </a:r>
             <a:endParaRPr lang="en-US" dirty="0"/>
           </a:p>
@@ -3584,7 +3722,89 @@
           <a:p>
             <a:r>
               <a:rPr lang="en-US" dirty="0" smtClean="0"/>
-              <a:t>Med</a:t>
+              <a:t>Violent</a:t>
+            </a:r>
+            <a:endParaRPr lang="en-US" dirty="0"/>
+          </a:p>
+        </p:txBody>
+      </p:sp>
+      <p:pic>
+        <p:nvPicPr>
+          <p:cNvPr id="4" name="Content Placeholder 3"/>
+          <p:cNvPicPr>
+            <a:picLocks noGrp="1" noChangeAspect="1"/>
+          </p:cNvPicPr>
+          <p:nvPr>
+            <p:ph idx="1"/>
+          </p:nvPr>
+        </p:nvPicPr>
+        <p:blipFill>
+          <a:blip r:embed="rId2">
+            <a:extLst>
+              <a:ext uri="{28A0092B-C50C-407E-A947-70E740481C1C}">
+                <a14:useLocalDpi xmlns:a14="http://schemas.microsoft.com/office/drawing/2010/main" val="0"/>
+              </a:ext>
+            </a:extLst>
+          </a:blip>
+          <a:stretch>
+            <a:fillRect/>
+          </a:stretch>
+        </p:blipFill>
+        <p:spPr>
+          <a:xfrm>
+            <a:off x="1554691" y="1600200"/>
+            <a:ext cx="6034617" cy="4525963"/>
+          </a:xfrm>
+        </p:spPr>
+      </p:pic>
+    </p:spTree>
+    <p:extLst>
+      <p:ext uri="{BB962C8B-B14F-4D97-AF65-F5344CB8AC3E}">
+        <p14:creationId xmlns:p14="http://schemas.microsoft.com/office/powerpoint/2010/main" val="4288114126"/>
+      </p:ext>
+    </p:extLst>
+  </p:cSld>
+  <p:clrMapOvr>
+    <a:masterClrMapping/>
+  </p:clrMapOvr>
+</p:sld>
+</file>
+
+<file path=ppt/slides/slide7.xml><?xml version="1.0" encoding="utf-8"?>
+<p:sld xmlns:a="http://schemas.openxmlformats.org/drawingml/2006/main" xmlns:r="http://schemas.openxmlformats.org/officeDocument/2006/relationships" xmlns:p="http://schemas.openxmlformats.org/presentationml/2006/main">
+  <p:cSld>
+    <p:spTree>
+      <p:nvGrpSpPr>
+        <p:cNvPr id="1" name=""/>
+        <p:cNvGrpSpPr/>
+        <p:nvPr/>
+      </p:nvGrpSpPr>
+      <p:grpSpPr>
+        <a:xfrm>
+          <a:off x="0" y="0"/>
+          <a:ext cx="0" cy="0"/>
+          <a:chOff x="0" y="0"/>
+          <a:chExt cx="0" cy="0"/>
+        </a:xfrm>
+      </p:grpSpPr>
+      <p:sp>
+        <p:nvSpPr>
+          <p:cNvPr id="2" name="Title 1"/>
+          <p:cNvSpPr>
+            <a:spLocks noGrp="1"/>
+          </p:cNvSpPr>
+          <p:nvPr>
+            <p:ph type="title"/>
+          </p:nvPr>
+        </p:nvSpPr>
+        <p:spPr/>
+        <p:txBody>
+          <a:bodyPr/>
+          <a:lstStyle/>
+          <a:p>
+            <a:r>
+              <a:rPr lang="en-US" dirty="0" smtClean="0"/>
+              <a:t>Medical</a:t>
             </a:r>
             <a:endParaRPr lang="en-US" dirty="0"/>
           </a:p>
@@ -3632,7 +3852,7 @@
 </p:sld>
 </file>
 
-<file path=ppt/slides/slide7.xml><?xml version="1.0" encoding="utf-8"?>
+<file path=ppt/slides/slide8.xml><?xml version="1.0" encoding="utf-8"?>
 <p:sld xmlns:a="http://schemas.openxmlformats.org/drawingml/2006/main" xmlns:r="http://schemas.openxmlformats.org/officeDocument/2006/relationships" xmlns:p="http://schemas.openxmlformats.org/presentationml/2006/main">
   <p:cSld>
     <p:spTree>
@@ -3714,88 +3934,6 @@
 </p:sld>
 </file>
 
-<file path=ppt/slides/slide8.xml><?xml version="1.0" encoding="utf-8"?>
-<p:sld xmlns:a="http://schemas.openxmlformats.org/drawingml/2006/main" xmlns:r="http://schemas.openxmlformats.org/officeDocument/2006/relationships" xmlns:p="http://schemas.openxmlformats.org/presentationml/2006/main">
-  <p:cSld>
-    <p:spTree>
-      <p:nvGrpSpPr>
-        <p:cNvPr id="1" name=""/>
-        <p:cNvGrpSpPr/>
-        <p:nvPr/>
-      </p:nvGrpSpPr>
-      <p:grpSpPr>
-        <a:xfrm>
-          <a:off x="0" y="0"/>
-          <a:ext cx="0" cy="0"/>
-          <a:chOff x="0" y="0"/>
-          <a:chExt cx="0" cy="0"/>
-        </a:xfrm>
-      </p:grpSpPr>
-      <p:sp>
-        <p:nvSpPr>
-          <p:cNvPr id="2" name="Title 1"/>
-          <p:cNvSpPr>
-            <a:spLocks noGrp="1"/>
-          </p:cNvSpPr>
-          <p:nvPr>
-            <p:ph type="title"/>
-          </p:nvPr>
-        </p:nvSpPr>
-        <p:spPr/>
-        <p:txBody>
-          <a:bodyPr/>
-          <a:lstStyle/>
-          <a:p>
-            <a:r>
-              <a:rPr lang="en-US" dirty="0" smtClean="0"/>
-              <a:t>Violent</a:t>
-            </a:r>
-            <a:endParaRPr lang="en-US" dirty="0"/>
-          </a:p>
-        </p:txBody>
-      </p:sp>
-      <p:pic>
-        <p:nvPicPr>
-          <p:cNvPr id="4" name="Content Placeholder 3"/>
-          <p:cNvPicPr>
-            <a:picLocks noGrp="1" noChangeAspect="1"/>
-          </p:cNvPicPr>
-          <p:nvPr>
-            <p:ph idx="1"/>
-          </p:nvPr>
-        </p:nvPicPr>
-        <p:blipFill>
-          <a:blip r:embed="rId2">
-            <a:extLst>
-              <a:ext uri="{28A0092B-C50C-407E-A947-70E740481C1C}">
-                <a14:useLocalDpi xmlns:a14="http://schemas.microsoft.com/office/drawing/2010/main" val="0"/>
-              </a:ext>
-            </a:extLst>
-          </a:blip>
-          <a:stretch>
-            <a:fillRect/>
-          </a:stretch>
-        </p:blipFill>
-        <p:spPr>
-          <a:xfrm>
-            <a:off x="1554691" y="1600200"/>
-            <a:ext cx="6034617" cy="4525963"/>
-          </a:xfrm>
-        </p:spPr>
-      </p:pic>
-    </p:spTree>
-    <p:extLst>
-      <p:ext uri="{BB962C8B-B14F-4D97-AF65-F5344CB8AC3E}">
-        <p14:creationId xmlns:p14="http://schemas.microsoft.com/office/powerpoint/2010/main" val="4288114126"/>
-      </p:ext>
-    </p:extLst>
-  </p:cSld>
-  <p:clrMapOvr>
-    <a:masterClrMapping/>
-  </p:clrMapOvr>
-</p:sld>
-</file>
-
 <file path=ppt/slides/slide9.xml><?xml version="1.0" encoding="utf-8"?>
 <p:sld xmlns:a="http://schemas.openxmlformats.org/drawingml/2006/main" xmlns:r="http://schemas.openxmlformats.org/officeDocument/2006/relationships" xmlns:p="http://schemas.openxmlformats.org/presentationml/2006/main">
   <p:cSld>
@@ -3851,7 +3989,37 @@
           <a:bodyPr/>
           <a:lstStyle/>
           <a:p>
-            <a:endParaRPr lang="en-US"/>
+            <a:r>
+              <a:rPr lang="en-US" dirty="0" smtClean="0"/>
+              <a:t>Origina</a:t>
+            </a:r>
+            <a:r>
+              <a:rPr lang="en-US" dirty="0" smtClean="0"/>
+              <a:t>l goal was to use hierarchical clustering, but runtime up to O(n</a:t>
+            </a:r>
+            <a:r>
+              <a:rPr lang="en-US" baseline="30000" dirty="0" smtClean="0"/>
+              <a:t>2</a:t>
+            </a:r>
+            <a:r>
+              <a:rPr lang="en-US" dirty="0" smtClean="0"/>
+              <a:t>)</a:t>
+            </a:r>
+          </a:p>
+          <a:p>
+            <a:r>
+              <a:rPr lang="en-US" dirty="0" smtClean="0"/>
+              <a:t>Impractical for large sets n &gt; 10,000</a:t>
+            </a:r>
+          </a:p>
+          <a:p>
+            <a:r>
+              <a:rPr lang="en-US" dirty="0" smtClean="0"/>
+              <a:t>Went with focused K-means on crime set</a:t>
+            </a:r>
+          </a:p>
+          <a:p>
+            <a:endParaRPr lang="en-US" dirty="0"/>
           </a:p>
         </p:txBody>
       </p:sp>

--- a/presentation/6.pptx
+++ b/presentation/6.pptx
@@ -115,7 +115,7 @@
   </p:defaultTextStyle>
   <p:extLst>
     <p:ext uri="{EFAFB233-063F-42B5-8137-9DF3F51BA10A}">
-      <p15:sldGuideLst xmlns:p15="http://schemas.microsoft.com/office/powerpoint/2012/main">
+      <p15:sldGuideLst xmlns:p15="http://schemas.microsoft.com/office/powerpoint/2012/main" xmlns="">
         <p15:guide id="1" orient="horz" pos="2160">
           <p15:clr>
             <a:srgbClr val="A4A3A4"/>
@@ -313,7 +313,7 @@
           <a:p>
             <a:fld id="{994A55E7-1CF2-4FB3-966D-E5224CF09912}" type="datetimeFigureOut">
               <a:rPr lang="en-US" smtClean="0"/>
-              <a:t>2/2/17</a:t>
+              <a:t>2/2/2017</a:t>
             </a:fld>
             <a:endParaRPr lang="en-US"/>
           </a:p>
@@ -483,7 +483,7 @@
           <a:p>
             <a:fld id="{994A55E7-1CF2-4FB3-966D-E5224CF09912}" type="datetimeFigureOut">
               <a:rPr lang="en-US" smtClean="0"/>
-              <a:t>2/2/17</a:t>
+              <a:t>2/2/2017</a:t>
             </a:fld>
             <a:endParaRPr lang="en-US"/>
           </a:p>
@@ -663,7 +663,7 @@
           <a:p>
             <a:fld id="{994A55E7-1CF2-4FB3-966D-E5224CF09912}" type="datetimeFigureOut">
               <a:rPr lang="en-US" smtClean="0"/>
-              <a:t>2/2/17</a:t>
+              <a:t>2/2/2017</a:t>
             </a:fld>
             <a:endParaRPr lang="en-US"/>
           </a:p>
@@ -833,7 +833,7 @@
           <a:p>
             <a:fld id="{994A55E7-1CF2-4FB3-966D-E5224CF09912}" type="datetimeFigureOut">
               <a:rPr lang="en-US" smtClean="0"/>
-              <a:t>2/2/17</a:t>
+              <a:t>2/2/2017</a:t>
             </a:fld>
             <a:endParaRPr lang="en-US"/>
           </a:p>
@@ -1079,7 +1079,7 @@
           <a:p>
             <a:fld id="{994A55E7-1CF2-4FB3-966D-E5224CF09912}" type="datetimeFigureOut">
               <a:rPr lang="en-US" smtClean="0"/>
-              <a:t>2/2/17</a:t>
+              <a:t>2/2/2017</a:t>
             </a:fld>
             <a:endParaRPr lang="en-US"/>
           </a:p>
@@ -1367,7 +1367,7 @@
           <a:p>
             <a:fld id="{994A55E7-1CF2-4FB3-966D-E5224CF09912}" type="datetimeFigureOut">
               <a:rPr lang="en-US" smtClean="0"/>
-              <a:t>2/2/17</a:t>
+              <a:t>2/2/2017</a:t>
             </a:fld>
             <a:endParaRPr lang="en-US"/>
           </a:p>
@@ -1789,7 +1789,7 @@
           <a:p>
             <a:fld id="{994A55E7-1CF2-4FB3-966D-E5224CF09912}" type="datetimeFigureOut">
               <a:rPr lang="en-US" smtClean="0"/>
-              <a:t>2/2/17</a:t>
+              <a:t>2/2/2017</a:t>
             </a:fld>
             <a:endParaRPr lang="en-US"/>
           </a:p>
@@ -1907,7 +1907,7 @@
           <a:p>
             <a:fld id="{994A55E7-1CF2-4FB3-966D-E5224CF09912}" type="datetimeFigureOut">
               <a:rPr lang="en-US" smtClean="0"/>
-              <a:t>2/2/17</a:t>
+              <a:t>2/2/2017</a:t>
             </a:fld>
             <a:endParaRPr lang="en-US"/>
           </a:p>
@@ -2002,7 +2002,7 @@
           <a:p>
             <a:fld id="{994A55E7-1CF2-4FB3-966D-E5224CF09912}" type="datetimeFigureOut">
               <a:rPr lang="en-US" smtClean="0"/>
-              <a:t>2/2/17</a:t>
+              <a:t>2/2/2017</a:t>
             </a:fld>
             <a:endParaRPr lang="en-US"/>
           </a:p>
@@ -2279,7 +2279,7 @@
           <a:p>
             <a:fld id="{994A55E7-1CF2-4FB3-966D-E5224CF09912}" type="datetimeFigureOut">
               <a:rPr lang="en-US" smtClean="0"/>
-              <a:t>2/2/17</a:t>
+              <a:t>2/2/2017</a:t>
             </a:fld>
             <a:endParaRPr lang="en-US"/>
           </a:p>
@@ -2532,7 +2532,7 @@
           <a:p>
             <a:fld id="{994A55E7-1CF2-4FB3-966D-E5224CF09912}" type="datetimeFigureOut">
               <a:rPr lang="en-US" smtClean="0"/>
-              <a:t>2/2/17</a:t>
+              <a:t>2/2/2017</a:t>
             </a:fld>
             <a:endParaRPr lang="en-US"/>
           </a:p>
@@ -2745,7 +2745,7 @@
           <a:p>
             <a:fld id="{994A55E7-1CF2-4FB3-966D-E5224CF09912}" type="datetimeFigureOut">
               <a:rPr lang="en-US" smtClean="0"/>
-              <a:t>2/2/17</a:t>
+              <a:t>2/2/2017</a:t>
             </a:fld>
             <a:endParaRPr lang="en-US"/>
           </a:p>
@@ -3139,11 +3139,7 @@
           <a:p>
             <a:r>
               <a:rPr lang="en-US" dirty="0" smtClean="0"/>
-              <a:t>6.S097 </a:t>
-            </a:r>
-            <a:r>
-              <a:rPr lang="en-US" dirty="0" smtClean="0"/>
-              <a:t>Project</a:t>
+              <a:t>6.S097 Project</a:t>
             </a:r>
             <a:br>
               <a:rPr lang="en-US" dirty="0" smtClean="0"/>
@@ -3205,11 +3201,7 @@
           <a:p>
             <a:r>
               <a:rPr lang="en-US" dirty="0" smtClean="0"/>
-              <a:t>Mark </a:t>
-            </a:r>
-            <a:r>
-              <a:rPr lang="en-US" dirty="0" smtClean="0"/>
-              <a:t>Wang</a:t>
+              <a:t>Mark Wang</a:t>
             </a:r>
           </a:p>
           <a:p>
@@ -3288,18 +3280,61 @@
         </p:nvSpPr>
         <p:spPr/>
         <p:txBody>
-          <a:bodyPr/>
+          <a:bodyPr>
+            <a:normAutofit lnSpcReduction="10000"/>
+          </a:bodyPr>
           <a:lstStyle/>
           <a:p>
             <a:r>
               <a:rPr lang="en-US" dirty="0" smtClean="0"/>
-              <a:t>To be continued</a:t>
-            </a:r>
-            <a:r>
-              <a:rPr lang="mr-IN" dirty="0" smtClean="0"/>
-              <a:t>…</a:t>
+              <a:t>Areas with the highest traffic volumes are</a:t>
+            </a:r>
+          </a:p>
+          <a:p>
+            <a:pPr lvl="1"/>
+            <a:r>
+              <a:rPr lang="en-US" dirty="0" smtClean="0"/>
+              <a:t>North End</a:t>
+            </a:r>
+          </a:p>
+          <a:p>
+            <a:pPr lvl="1"/>
+            <a:r>
+              <a:rPr lang="en-US" dirty="0" smtClean="0"/>
+              <a:t>Boston University/Kenmore</a:t>
+            </a:r>
+          </a:p>
+          <a:p>
+            <a:pPr lvl="1"/>
+            <a:r>
+              <a:rPr lang="en-US" dirty="0" smtClean="0"/>
+              <a:t>South Boston</a:t>
+            </a:r>
+          </a:p>
+          <a:p>
+            <a:pPr lvl="1"/>
+            <a:r>
+              <a:rPr lang="en-US" dirty="0" smtClean="0"/>
+              <a:t>South End</a:t>
+            </a:r>
+          </a:p>
+          <a:p>
+            <a:pPr lvl="1"/>
+            <a:r>
+              <a:rPr lang="en-US" dirty="0" smtClean="0"/>
+              <a:t>Roxbury</a:t>
             </a:r>
             <a:endParaRPr lang="en-US" dirty="0"/>
+          </a:p>
+          <a:p>
+            <a:r>
+              <a:rPr lang="en-US" dirty="0" smtClean="0"/>
+              <a:t>Consistent with clusters with high crime, showing traffic may be indication of areas of </a:t>
+            </a:r>
+            <a:r>
+              <a:rPr lang="en-US" smtClean="0"/>
+              <a:t>high crime</a:t>
+            </a:r>
           </a:p>
         </p:txBody>
       </p:sp>
@@ -3379,21 +3414,8 @@
           <a:p>
             <a:r>
               <a:rPr lang="en-US" dirty="0" smtClean="0"/>
-              <a:t>By finding areas where crime is prevalent, will be able to identify places which </a:t>
-            </a:r>
-            <a:r>
-              <a:rPr lang="en-US" dirty="0" smtClean="0"/>
-              <a:t>need </a:t>
-            </a:r>
-            <a:r>
-              <a:rPr lang="en-US" dirty="0" smtClean="0"/>
-              <a:t>more </a:t>
-            </a:r>
-            <a:r>
-              <a:rPr lang="en-US" dirty="0" smtClean="0"/>
-              <a:t>security/enforcement/etc.</a:t>
-            </a:r>
-            <a:endParaRPr lang="en-US" dirty="0" smtClean="0"/>
+              <a:t>By finding areas where crime is prevalent, will be able to identify places which need more security/enforcement/etc.</a:t>
+            </a:r>
           </a:p>
           <a:p>
             <a:endParaRPr lang="en-US" dirty="0" smtClean="0"/>
@@ -3476,30 +3498,13 @@
           <a:p>
             <a:r>
               <a:rPr lang="en-US" dirty="0" smtClean="0"/>
-              <a:t>Divided crime data </a:t>
-            </a:r>
+              <a:t>Divided crime data into several categories, then ran K-Means clustering with various K</a:t>
+            </a:r>
+          </a:p>
+          <a:p>
             <a:r>
               <a:rPr lang="en-US" dirty="0" smtClean="0"/>
-              <a:t>into </a:t>
-            </a:r>
-            <a:r>
-              <a:rPr lang="en-US" dirty="0" smtClean="0"/>
-              <a:t>several categories, then ran K-Means clustering with various K</a:t>
-            </a:r>
-            <a:endParaRPr lang="en-US" dirty="0" smtClean="0"/>
-          </a:p>
-          <a:p>
-            <a:r>
-              <a:rPr lang="en-US" dirty="0" smtClean="0"/>
-              <a:t>Shaved </a:t>
-            </a:r>
-            <a:r>
-              <a:rPr lang="en-US" dirty="0" smtClean="0"/>
-              <a:t>the clusters to find areas where crime is </a:t>
-            </a:r>
-            <a:r>
-              <a:rPr lang="en-US" dirty="0" smtClean="0"/>
-              <a:t>prevalent</a:t>
+              <a:t>Shaved the clusters to find areas where crime is prevalent</a:t>
             </a:r>
           </a:p>
           <a:p>
@@ -3991,11 +3996,7 @@
           <a:p>
             <a:r>
               <a:rPr lang="en-US" dirty="0" smtClean="0"/>
-              <a:t>Origina</a:t>
-            </a:r>
-            <a:r>
-              <a:rPr lang="en-US" dirty="0" smtClean="0"/>
-              <a:t>l goal was to use hierarchical clustering, but runtime up to O(n</a:t>
+              <a:t>Original goal was to use hierarchical clustering, but runtime up to O(n</a:t>
             </a:r>
             <a:r>
               <a:rPr lang="en-US" baseline="30000" dirty="0" smtClean="0"/>
